--- a/html-css_ppt/10강. css3와 애니메이션.pptx
+++ b/html-css_ppt/10강. css3와 애니메이션.pptx
@@ -5,7 +5,7 @@
     <p:sldMasterId id="2147483648" r:id="rId1"/>
   </p:sldMasterIdLst>
   <p:notesMasterIdLst>
-    <p:notesMasterId r:id="rId33"/>
+    <p:notesMasterId r:id="rId34"/>
   </p:notesMasterIdLst>
   <p:sldIdLst>
     <p:sldId id="256" r:id="rId2"/>
@@ -38,7 +38,8 @@
     <p:sldId id="441" r:id="rId29"/>
     <p:sldId id="422" r:id="rId30"/>
     <p:sldId id="440" r:id="rId31"/>
-    <p:sldId id="423" r:id="rId32"/>
+    <p:sldId id="454" r:id="rId32"/>
+    <p:sldId id="423" r:id="rId33"/>
   </p:sldIdLst>
   <p:sldSz cx="9906000" cy="6858000" type="A4"/>
   <p:notesSz cx="6858000" cy="9144000"/>
@@ -139,7 +140,7 @@
   </p:defaultTextStyle>
   <p:extLst>
     <p:ext uri="{EFAFB233-063F-42B5-8137-9DF3F51BA10A}">
-      <p15:sldGuideLst xmlns="" xmlns:p15="http://schemas.microsoft.com/office/powerpoint/2012/main">
+      <p15:sldGuideLst xmlns:p15="http://schemas.microsoft.com/office/powerpoint/2012/main">
         <p15:guide id="1" orient="horz" pos="2160">
           <p15:clr>
             <a:srgbClr val="A4A3A4"/>
@@ -238,7 +239,7 @@
           <a:p>
             <a:fld id="{7665CDAC-D627-4E87-877A-1B781DD4CADC}" type="datetimeFigureOut">
               <a:rPr lang="ko-KR" altLang="en-US" smtClean="0"/>
-              <a:t>2022-05-22</a:t>
+              <a:t>2023-04-10</a:t>
             </a:fld>
             <a:endParaRPr lang="ko-KR" altLang="en-US"/>
           </a:p>
@@ -652,7 +653,7 @@
           <a:p>
             <a:fld id="{C25BCFD5-C4DF-4EBC-B718-C69ED2FBDE6F}" type="datetime1">
               <a:rPr lang="ko-KR" altLang="en-US" smtClean="0"/>
-              <a:t>2022-05-22</a:t>
+              <a:t>2023-04-10</a:t>
             </a:fld>
             <a:endParaRPr lang="ko-KR" altLang="en-US"/>
           </a:p>
@@ -1070,7 +1071,7 @@
           <a:p>
             <a:fld id="{AB448CD7-D367-43D5-B461-ACE552E75063}" type="datetime1">
               <a:rPr lang="ko-KR" altLang="en-US" smtClean="0"/>
-              <a:t>2022-05-22</a:t>
+              <a:t>2023-04-10</a:t>
             </a:fld>
             <a:endParaRPr lang="ko-KR" altLang="en-US"/>
           </a:p>
@@ -1250,7 +1251,7 @@
           <a:p>
             <a:fld id="{B6E49E79-7361-4780-8BEF-7EDE3708298A}" type="datetime1">
               <a:rPr lang="ko-KR" altLang="en-US" smtClean="0"/>
-              <a:t>2022-05-22</a:t>
+              <a:t>2023-04-10</a:t>
             </a:fld>
             <a:endParaRPr lang="ko-KR" altLang="en-US"/>
           </a:p>
@@ -1424,7 +1425,7 @@
           <a:p>
             <a:fld id="{A4D42E3C-B70B-437C-85CF-1286301B9CBA}" type="datetime1">
               <a:rPr lang="ko-KR" altLang="en-US" smtClean="0"/>
-              <a:t>2022-05-22</a:t>
+              <a:t>2023-04-10</a:t>
             </a:fld>
             <a:endParaRPr lang="ko-KR" altLang="en-US"/>
           </a:p>
@@ -1670,7 +1671,7 @@
           <a:p>
             <a:fld id="{B3369A20-5B3D-4D98-A822-26B93D177A40}" type="datetime1">
               <a:rPr lang="ko-KR" altLang="en-US" smtClean="0"/>
-              <a:t>2022-05-22</a:t>
+              <a:t>2023-04-10</a:t>
             </a:fld>
             <a:endParaRPr lang="ko-KR" altLang="en-US"/>
           </a:p>
@@ -1958,7 +1959,7 @@
           <a:p>
             <a:fld id="{685CD4CE-9E43-4F70-A9D8-A2130CA7D92A}" type="datetime1">
               <a:rPr lang="ko-KR" altLang="en-US" smtClean="0"/>
-              <a:t>2022-05-22</a:t>
+              <a:t>2023-04-10</a:t>
             </a:fld>
             <a:endParaRPr lang="ko-KR" altLang="en-US"/>
           </a:p>
@@ -2380,7 +2381,7 @@
           <a:p>
             <a:fld id="{F752BD92-DA3E-4A0B-90C9-7DE5E15B6E96}" type="datetime1">
               <a:rPr lang="ko-KR" altLang="en-US" smtClean="0"/>
-              <a:t>2022-05-22</a:t>
+              <a:t>2023-04-10</a:t>
             </a:fld>
             <a:endParaRPr lang="ko-KR" altLang="en-US"/>
           </a:p>
@@ -2498,7 +2499,7 @@
           <a:p>
             <a:fld id="{8EA2B83A-F366-424E-B742-340ACF856BB5}" type="datetime1">
               <a:rPr lang="ko-KR" altLang="en-US" smtClean="0"/>
-              <a:t>2022-05-22</a:t>
+              <a:t>2023-04-10</a:t>
             </a:fld>
             <a:endParaRPr lang="ko-KR" altLang="en-US"/>
           </a:p>
@@ -2593,7 +2594,7 @@
           <a:p>
             <a:fld id="{9A49D68B-5DBD-48E9-A8D4-FCBC4B3DD9C6}" type="datetime1">
               <a:rPr lang="ko-KR" altLang="en-US" smtClean="0"/>
-              <a:t>2022-05-22</a:t>
+              <a:t>2023-04-10</a:t>
             </a:fld>
             <a:endParaRPr lang="ko-KR" altLang="en-US"/>
           </a:p>
@@ -2870,7 +2871,7 @@
           <a:p>
             <a:fld id="{4CAB534F-7D16-467B-9320-91F98915D181}" type="datetime1">
               <a:rPr lang="ko-KR" altLang="en-US" smtClean="0"/>
-              <a:t>2022-05-22</a:t>
+              <a:t>2023-04-10</a:t>
             </a:fld>
             <a:endParaRPr lang="ko-KR" altLang="en-US"/>
           </a:p>
@@ -3123,7 +3124,7 @@
           <a:p>
             <a:fld id="{A390A91F-2F8D-4486-A69D-D680F95444B0}" type="datetime1">
               <a:rPr lang="ko-KR" altLang="en-US" smtClean="0"/>
-              <a:t>2022-05-22</a:t>
+              <a:t>2023-04-10</a:t>
             </a:fld>
             <a:endParaRPr lang="ko-KR" altLang="en-US"/>
           </a:p>
@@ -3303,7 +3304,7 @@
           <a:p>
             <a:fld id="{2238BBEA-E8DD-414A-BF68-FC2AFA7CFF2D}" type="datetime1">
               <a:rPr lang="ko-KR" altLang="en-US" smtClean="0"/>
-              <a:t>2022-05-22</a:t>
+              <a:t>2023-04-10</a:t>
             </a:fld>
             <a:endParaRPr lang="ko-KR" altLang="en-US"/>
           </a:p>
@@ -5353,8 +5354,20 @@
                 <a:tableStyleId>{5940675A-B579-460E-94D1-54222C63F5DA}</a:tableStyleId>
               </a:tblPr>
               <a:tblGrid>
-                <a:gridCol w="2972490"/>
-                <a:gridCol w="4804374"/>
+                <a:gridCol w="2972490">
+                  <a:extLst>
+                    <a:ext uri="{9D8B030D-6E8A-4147-A177-3AD203B41FA5}">
+                      <a16:colId xmlns:a16="http://schemas.microsoft.com/office/drawing/2014/main" val="20000"/>
+                    </a:ext>
+                  </a:extLst>
+                </a:gridCol>
+                <a:gridCol w="4804374">
+                  <a:extLst>
+                    <a:ext uri="{9D8B030D-6E8A-4147-A177-3AD203B41FA5}">
+                      <a16:colId xmlns:a16="http://schemas.microsoft.com/office/drawing/2014/main" val="20001"/>
+                    </a:ext>
+                  </a:extLst>
+                </a:gridCol>
               </a:tblGrid>
               <a:tr h="456051">
                 <a:tc>
@@ -5405,6 +5418,11 @@
                     </a:solidFill>
                   </a:tcPr>
                 </a:tc>
+                <a:extLst>
+                  <a:ext uri="{0D108BD9-81ED-4DB2-BD59-A6C34878D82A}">
+                    <a16:rowId xmlns:a16="http://schemas.microsoft.com/office/drawing/2014/main" val="10000"/>
+                  </a:ext>
+                </a:extLst>
               </a:tr>
               <a:tr h="456051">
                 <a:tc>
@@ -5456,6 +5474,11 @@
                     </a:lnR>
                   </a:tcPr>
                 </a:tc>
+                <a:extLst>
+                  <a:ext uri="{0D108BD9-81ED-4DB2-BD59-A6C34878D82A}">
+                    <a16:rowId xmlns:a16="http://schemas.microsoft.com/office/drawing/2014/main" val="10001"/>
+                  </a:ext>
+                </a:extLst>
               </a:tr>
               <a:tr h="456051">
                 <a:tc>
@@ -5523,6 +5546,11 @@
                     </a:lnR>
                   </a:tcPr>
                 </a:tc>
+                <a:extLst>
+                  <a:ext uri="{0D108BD9-81ED-4DB2-BD59-A6C34878D82A}">
+                    <a16:rowId xmlns:a16="http://schemas.microsoft.com/office/drawing/2014/main" val="10002"/>
+                  </a:ext>
+                </a:extLst>
               </a:tr>
               <a:tr h="456051">
                 <a:tc>
@@ -5606,6 +5634,11 @@
                     </a:lnR>
                   </a:tcPr>
                 </a:tc>
+                <a:extLst>
+                  <a:ext uri="{0D108BD9-81ED-4DB2-BD59-A6C34878D82A}">
+                    <a16:rowId xmlns:a16="http://schemas.microsoft.com/office/drawing/2014/main" val="10003"/>
+                  </a:ext>
+                </a:extLst>
               </a:tr>
               <a:tr h="456051">
                 <a:tc>
@@ -5673,6 +5706,11 @@
                     </a:lnR>
                   </a:tcPr>
                 </a:tc>
+                <a:extLst>
+                  <a:ext uri="{0D108BD9-81ED-4DB2-BD59-A6C34878D82A}">
+                    <a16:rowId xmlns:a16="http://schemas.microsoft.com/office/drawing/2014/main" val="10004"/>
+                  </a:ext>
+                </a:extLst>
               </a:tr>
               <a:tr h="456051">
                 <a:tc>
@@ -5740,6 +5778,11 @@
                     </a:lnR>
                   </a:tcPr>
                 </a:tc>
+                <a:extLst>
+                  <a:ext uri="{0D108BD9-81ED-4DB2-BD59-A6C34878D82A}">
+                    <a16:rowId xmlns:a16="http://schemas.microsoft.com/office/drawing/2014/main" val="10005"/>
+                  </a:ext>
+                </a:extLst>
               </a:tr>
             </a:tbl>
           </a:graphicData>
@@ -7703,8 +7746,20 @@
                 <a:tableStyleId>{5940675A-B579-460E-94D1-54222C63F5DA}</a:tableStyleId>
               </a:tblPr>
               <a:tblGrid>
-                <a:gridCol w="1664912"/>
-                <a:gridCol w="5463880"/>
+                <a:gridCol w="1664912">
+                  <a:extLst>
+                    <a:ext uri="{9D8B030D-6E8A-4147-A177-3AD203B41FA5}">
+                      <a16:colId xmlns:a16="http://schemas.microsoft.com/office/drawing/2014/main" val="20000"/>
+                    </a:ext>
+                  </a:extLst>
+                </a:gridCol>
+                <a:gridCol w="5463880">
+                  <a:extLst>
+                    <a:ext uri="{9D8B030D-6E8A-4147-A177-3AD203B41FA5}">
+                      <a16:colId xmlns:a16="http://schemas.microsoft.com/office/drawing/2014/main" val="20001"/>
+                    </a:ext>
+                  </a:extLst>
+                </a:gridCol>
               </a:tblGrid>
               <a:tr h="461422">
                 <a:tc>
@@ -7755,6 +7810,11 @@
                     </a:solidFill>
                   </a:tcPr>
                 </a:tc>
+                <a:extLst>
+                  <a:ext uri="{0D108BD9-81ED-4DB2-BD59-A6C34878D82A}">
+                    <a16:rowId xmlns:a16="http://schemas.microsoft.com/office/drawing/2014/main" val="10000"/>
+                  </a:ext>
+                </a:extLst>
               </a:tr>
               <a:tr h="461422">
                 <a:tc>
@@ -7806,6 +7866,11 @@
                     </a:lnR>
                   </a:tcPr>
                 </a:tc>
+                <a:extLst>
+                  <a:ext uri="{0D108BD9-81ED-4DB2-BD59-A6C34878D82A}">
+                    <a16:rowId xmlns:a16="http://schemas.microsoft.com/office/drawing/2014/main" val="10001"/>
+                  </a:ext>
+                </a:extLst>
               </a:tr>
               <a:tr h="720578">
                 <a:tc>
@@ -7873,6 +7938,11 @@
                     </a:lnR>
                   </a:tcPr>
                 </a:tc>
+                <a:extLst>
+                  <a:ext uri="{0D108BD9-81ED-4DB2-BD59-A6C34878D82A}">
+                    <a16:rowId xmlns:a16="http://schemas.microsoft.com/office/drawing/2014/main" val="10002"/>
+                  </a:ext>
+                </a:extLst>
               </a:tr>
               <a:tr h="461422">
                 <a:tc>
@@ -7936,6 +8006,11 @@
                     </a:lnR>
                   </a:tcPr>
                 </a:tc>
+                <a:extLst>
+                  <a:ext uri="{0D108BD9-81ED-4DB2-BD59-A6C34878D82A}">
+                    <a16:rowId xmlns:a16="http://schemas.microsoft.com/office/drawing/2014/main" val="10003"/>
+                  </a:ext>
+                </a:extLst>
               </a:tr>
               <a:tr h="461422">
                 <a:tc>
@@ -7979,6 +8054,11 @@
                     </a:lnR>
                   </a:tcPr>
                 </a:tc>
+                <a:extLst>
+                  <a:ext uri="{0D108BD9-81ED-4DB2-BD59-A6C34878D82A}">
+                    <a16:rowId xmlns:a16="http://schemas.microsoft.com/office/drawing/2014/main" val="10004"/>
+                  </a:ext>
+                </a:extLst>
               </a:tr>
               <a:tr h="461422">
                 <a:tc>
@@ -8022,6 +8102,11 @@
                     </a:lnR>
                   </a:tcPr>
                 </a:tc>
+                <a:extLst>
+                  <a:ext uri="{0D108BD9-81ED-4DB2-BD59-A6C34878D82A}">
+                    <a16:rowId xmlns:a16="http://schemas.microsoft.com/office/drawing/2014/main" val="10005"/>
+                  </a:ext>
+                </a:extLst>
               </a:tr>
             </a:tbl>
           </a:graphicData>
@@ -9758,8 +9843,20 @@
                 <a:tableStyleId>{5940675A-B579-460E-94D1-54222C63F5DA}</a:tableStyleId>
               </a:tblPr>
               <a:tblGrid>
-                <a:gridCol w="3118426"/>
-                <a:gridCol w="5234502"/>
+                <a:gridCol w="3118426">
+                  <a:extLst>
+                    <a:ext uri="{9D8B030D-6E8A-4147-A177-3AD203B41FA5}">
+                      <a16:colId xmlns:a16="http://schemas.microsoft.com/office/drawing/2014/main" val="20000"/>
+                    </a:ext>
+                  </a:extLst>
+                </a:gridCol>
+                <a:gridCol w="5234502">
+                  <a:extLst>
+                    <a:ext uri="{9D8B030D-6E8A-4147-A177-3AD203B41FA5}">
+                      <a16:colId xmlns:a16="http://schemas.microsoft.com/office/drawing/2014/main" val="20001"/>
+                    </a:ext>
+                  </a:extLst>
+                </a:gridCol>
               </a:tblGrid>
               <a:tr h="427977">
                 <a:tc>
@@ -9810,6 +9907,11 @@
                     </a:solidFill>
                   </a:tcPr>
                 </a:tc>
+                <a:extLst>
+                  <a:ext uri="{0D108BD9-81ED-4DB2-BD59-A6C34878D82A}">
+                    <a16:rowId xmlns:a16="http://schemas.microsoft.com/office/drawing/2014/main" val="10000"/>
+                  </a:ext>
+                </a:extLst>
               </a:tr>
               <a:tr h="427977">
                 <a:tc>
@@ -9858,6 +9960,11 @@
                     </a:lnR>
                   </a:tcPr>
                 </a:tc>
+                <a:extLst>
+                  <a:ext uri="{0D108BD9-81ED-4DB2-BD59-A6C34878D82A}">
+                    <a16:rowId xmlns:a16="http://schemas.microsoft.com/office/drawing/2014/main" val="10001"/>
+                  </a:ext>
+                </a:extLst>
               </a:tr>
               <a:tr h="427977">
                 <a:tc>
@@ -9921,6 +10028,11 @@
                     </a:lnR>
                   </a:tcPr>
                 </a:tc>
+                <a:extLst>
+                  <a:ext uri="{0D108BD9-81ED-4DB2-BD59-A6C34878D82A}">
+                    <a16:rowId xmlns:a16="http://schemas.microsoft.com/office/drawing/2014/main" val="10002"/>
+                  </a:ext>
+                </a:extLst>
               </a:tr>
               <a:tr h="427977">
                 <a:tc>
@@ -9972,6 +10084,11 @@
                     </a:lnR>
                   </a:tcPr>
                 </a:tc>
+                <a:extLst>
+                  <a:ext uri="{0D108BD9-81ED-4DB2-BD59-A6C34878D82A}">
+                    <a16:rowId xmlns:a16="http://schemas.microsoft.com/office/drawing/2014/main" val="10003"/>
+                  </a:ext>
+                </a:extLst>
               </a:tr>
               <a:tr h="668348">
                 <a:tc>
@@ -10079,6 +10196,11 @@
                     </a:lnR>
                   </a:tcPr>
                 </a:tc>
+                <a:extLst>
+                  <a:ext uri="{0D108BD9-81ED-4DB2-BD59-A6C34878D82A}">
+                    <a16:rowId xmlns:a16="http://schemas.microsoft.com/office/drawing/2014/main" val="10004"/>
+                  </a:ext>
+                </a:extLst>
               </a:tr>
               <a:tr h="427977">
                 <a:tc>
@@ -10167,6 +10289,11 @@
                     </a:lnR>
                   </a:tcPr>
                 </a:tc>
+                <a:extLst>
+                  <a:ext uri="{0D108BD9-81ED-4DB2-BD59-A6C34878D82A}">
+                    <a16:rowId xmlns:a16="http://schemas.microsoft.com/office/drawing/2014/main" val="10005"/>
+                  </a:ext>
+                </a:extLst>
               </a:tr>
               <a:tr h="427977">
                 <a:tc>
@@ -10230,6 +10357,11 @@
                     </a:lnR>
                   </a:tcPr>
                 </a:tc>
+                <a:extLst>
+                  <a:ext uri="{0D108BD9-81ED-4DB2-BD59-A6C34878D82A}">
+                    <a16:rowId xmlns:a16="http://schemas.microsoft.com/office/drawing/2014/main" val="10006"/>
+                  </a:ext>
+                </a:extLst>
               </a:tr>
             </a:tbl>
           </a:graphicData>
@@ -11957,8 +12089,20 @@
                 <a:tableStyleId>{5940675A-B579-460E-94D1-54222C63F5DA}</a:tableStyleId>
               </a:tblPr>
               <a:tblGrid>
-                <a:gridCol w="1728192"/>
-                <a:gridCol w="5897860"/>
+                <a:gridCol w="1728192">
+                  <a:extLst>
+                    <a:ext uri="{9D8B030D-6E8A-4147-A177-3AD203B41FA5}">
+                      <a16:colId xmlns:a16="http://schemas.microsoft.com/office/drawing/2014/main" val="20000"/>
+                    </a:ext>
+                  </a:extLst>
+                </a:gridCol>
+                <a:gridCol w="5897860">
+                  <a:extLst>
+                    <a:ext uri="{9D8B030D-6E8A-4147-A177-3AD203B41FA5}">
+                      <a16:colId xmlns:a16="http://schemas.microsoft.com/office/drawing/2014/main" val="20001"/>
+                    </a:ext>
+                  </a:extLst>
+                </a:gridCol>
               </a:tblGrid>
               <a:tr h="576064">
                 <a:tc>
@@ -12009,6 +12153,11 @@
                     </a:solidFill>
                   </a:tcPr>
                 </a:tc>
+                <a:extLst>
+                  <a:ext uri="{0D108BD9-81ED-4DB2-BD59-A6C34878D82A}">
+                    <a16:rowId xmlns:a16="http://schemas.microsoft.com/office/drawing/2014/main" val="10000"/>
+                  </a:ext>
+                </a:extLst>
               </a:tr>
               <a:tr h="948058">
                 <a:tc>
@@ -12084,6 +12233,11 @@
                     </a:lnR>
                   </a:tcPr>
                 </a:tc>
+                <a:extLst>
+                  <a:ext uri="{0D108BD9-81ED-4DB2-BD59-A6C34878D82A}">
+                    <a16:rowId xmlns:a16="http://schemas.microsoft.com/office/drawing/2014/main" val="10001"/>
+                  </a:ext>
+                </a:extLst>
               </a:tr>
               <a:tr h="884114">
                 <a:tc>
@@ -12175,6 +12329,11 @@
                     </a:lnR>
                   </a:tcPr>
                 </a:tc>
+                <a:extLst>
+                  <a:ext uri="{0D108BD9-81ED-4DB2-BD59-A6C34878D82A}">
+                    <a16:rowId xmlns:a16="http://schemas.microsoft.com/office/drawing/2014/main" val="10002"/>
+                  </a:ext>
+                </a:extLst>
               </a:tr>
               <a:tr h="884114">
                 <a:tc>
@@ -12290,6 +12449,11 @@
                     </a:lnR>
                   </a:tcPr>
                 </a:tc>
+                <a:extLst>
+                  <a:ext uri="{0D108BD9-81ED-4DB2-BD59-A6C34878D82A}">
+                    <a16:rowId xmlns:a16="http://schemas.microsoft.com/office/drawing/2014/main" val="10003"/>
+                  </a:ext>
+                </a:extLst>
               </a:tr>
             </a:tbl>
           </a:graphicData>
@@ -12544,7 +12708,7 @@
         </p:nvSpPr>
         <p:spPr>
           <a:xfrm>
-            <a:off x="8913440" y="6485534"/>
+            <a:off x="8935132" y="6492875"/>
             <a:ext cx="557267" cy="365125"/>
           </a:xfrm>
         </p:spPr>
@@ -12555,6 +12719,215 @@
             <a:fld id="{1BDE3FE7-3AEA-4B05-AC5A-802D1816ACF0}" type="slidenum">
               <a:rPr lang="ko-KR" altLang="en-US" smtClean="0"/>
               <a:t>31</a:t>
+            </a:fld>
+            <a:endParaRPr lang="ko-KR" altLang="en-US" dirty="0"/>
+          </a:p>
+        </p:txBody>
+      </p:sp>
+      <p:sp>
+        <p:nvSpPr>
+          <p:cNvPr id="11" name="TextBox 10"/>
+          <p:cNvSpPr txBox="1"/>
+          <p:nvPr/>
+        </p:nvSpPr>
+        <p:spPr>
+          <a:xfrm>
+            <a:off x="799351" y="1268760"/>
+            <a:ext cx="8352928" cy="494494"/>
+          </a:xfrm>
+          <a:prstGeom prst="rect">
+            <a:avLst/>
+          </a:prstGeom>
+          <a:noFill/>
+        </p:spPr>
+        <p:txBody>
+          <a:bodyPr wrap="square" rtlCol="0">
+            <a:spAutoFit/>
+          </a:bodyPr>
+          <a:lstStyle/>
+          <a:p>
+            <a:pPr>
+              <a:lnSpc>
+                <a:spcPct val="150000"/>
+              </a:lnSpc>
+            </a:pPr>
+            <a:r>
+              <a:rPr lang="en-US" altLang="ko-KR" sz="2000" b="1" dirty="0"/>
+              <a:t> </a:t>
+            </a:r>
+            <a:r>
+              <a:rPr lang="ko-KR" altLang="en-US" sz="2000" b="1" dirty="0" smtClean="0"/>
+              <a:t>텍스트 애니메이션</a:t>
+            </a:r>
+            <a:endParaRPr lang="en-US" altLang="ko-KR" sz="2000" b="1" dirty="0" smtClean="0"/>
+          </a:p>
+        </p:txBody>
+      </p:sp>
+      <p:pic>
+        <p:nvPicPr>
+          <p:cNvPr id="3" name="그림 2"/>
+          <p:cNvPicPr>
+            <a:picLocks noChangeAspect="1"/>
+          </p:cNvPicPr>
+          <p:nvPr/>
+        </p:nvPicPr>
+        <p:blipFill>
+          <a:blip r:embed="rId2">
+            <a:extLst>
+              <a:ext uri="{28A0092B-C50C-407E-A947-70E740481C1C}">
+                <a14:useLocalDpi xmlns:a14="http://schemas.microsoft.com/office/drawing/2010/main" val="0"/>
+              </a:ext>
+            </a:extLst>
+          </a:blip>
+          <a:stretch>
+            <a:fillRect/>
+          </a:stretch>
+        </p:blipFill>
+        <p:spPr>
+          <a:xfrm>
+            <a:off x="4896468" y="1979278"/>
+            <a:ext cx="3865617" cy="4417847"/>
+          </a:xfrm>
+          <a:prstGeom prst="rect">
+            <a:avLst/>
+          </a:prstGeom>
+          <a:ln>
+            <a:solidFill>
+              <a:schemeClr val="bg1">
+                <a:lumMod val="85000"/>
+              </a:schemeClr>
+            </a:solidFill>
+          </a:ln>
+        </p:spPr>
+      </p:pic>
+      <p:pic>
+        <p:nvPicPr>
+          <p:cNvPr id="6" name="그림 5"/>
+          <p:cNvPicPr>
+            <a:picLocks noChangeAspect="1"/>
+          </p:cNvPicPr>
+          <p:nvPr/>
+        </p:nvPicPr>
+        <p:blipFill>
+          <a:blip r:embed="rId3">
+            <a:extLst>
+              <a:ext uri="{28A0092B-C50C-407E-A947-70E740481C1C}">
+                <a14:useLocalDpi xmlns:a14="http://schemas.microsoft.com/office/drawing/2010/main" val="0"/>
+              </a:ext>
+            </a:extLst>
+          </a:blip>
+          <a:stretch>
+            <a:fillRect/>
+          </a:stretch>
+        </p:blipFill>
+        <p:spPr>
+          <a:xfrm>
+            <a:off x="920552" y="2035693"/>
+            <a:ext cx="3749365" cy="2209992"/>
+          </a:xfrm>
+          <a:prstGeom prst="rect">
+            <a:avLst/>
+          </a:prstGeom>
+          <a:ln>
+            <a:solidFill>
+              <a:schemeClr val="bg1">
+                <a:lumMod val="85000"/>
+              </a:schemeClr>
+            </a:solidFill>
+          </a:ln>
+        </p:spPr>
+      </p:pic>
+    </p:spTree>
+    <p:extLst>
+      <p:ext uri="{BB962C8B-B14F-4D97-AF65-F5344CB8AC3E}">
+        <p14:creationId xmlns:p14="http://schemas.microsoft.com/office/powerpoint/2010/main" val="2225674241"/>
+      </p:ext>
+    </p:extLst>
+  </p:cSld>
+  <p:clrMapOvr>
+    <a:masterClrMapping/>
+  </p:clrMapOvr>
+  <p:timing>
+    <p:tnLst>
+      <p:par>
+        <p:cTn id="1" dur="indefinite" restart="never" nodeType="tmRoot"/>
+      </p:par>
+    </p:tnLst>
+  </p:timing>
+</p:sld>
+</file>
+
+<file path=ppt/slides/slide32.xml><?xml version="1.0" encoding="utf-8"?>
+<p:sld xmlns:a="http://schemas.openxmlformats.org/drawingml/2006/main" xmlns:r="http://schemas.openxmlformats.org/officeDocument/2006/relationships" xmlns:p="http://schemas.openxmlformats.org/presentationml/2006/main">
+  <p:cSld>
+    <p:spTree>
+      <p:nvGrpSpPr>
+        <p:cNvPr id="1" name=""/>
+        <p:cNvGrpSpPr/>
+        <p:nvPr/>
+      </p:nvGrpSpPr>
+      <p:grpSpPr>
+        <a:xfrm>
+          <a:off x="0" y="0"/>
+          <a:ext cx="0" cy="0"/>
+          <a:chOff x="0" y="0"/>
+          <a:chExt cx="0" cy="0"/>
+        </a:xfrm>
+      </p:grpSpPr>
+      <p:sp>
+        <p:nvSpPr>
+          <p:cNvPr id="2" name="제목 1"/>
+          <p:cNvSpPr>
+            <a:spLocks noGrp="1"/>
+          </p:cNvSpPr>
+          <p:nvPr>
+            <p:ph type="title"/>
+          </p:nvPr>
+        </p:nvSpPr>
+        <p:spPr>
+          <a:xfrm>
+            <a:off x="416497" y="197768"/>
+            <a:ext cx="6412780" cy="854968"/>
+          </a:xfrm>
+        </p:spPr>
+        <p:txBody>
+          <a:bodyPr>
+            <a:noAutofit/>
+          </a:bodyPr>
+          <a:lstStyle/>
+          <a:p>
+            <a:pPr algn="ctr"/>
+            <a:r>
+              <a:rPr lang="ko-KR" altLang="en-US" sz="2800" dirty="0" smtClean="0"/>
+              <a:t>애니메이션</a:t>
+            </a:r>
+            <a:endParaRPr lang="ko-KR" altLang="en-US" sz="2800" dirty="0"/>
+          </a:p>
+        </p:txBody>
+      </p:sp>
+      <p:sp>
+        <p:nvSpPr>
+          <p:cNvPr id="4" name="슬라이드 번호 개체 틀 3"/>
+          <p:cNvSpPr>
+            <a:spLocks noGrp="1"/>
+          </p:cNvSpPr>
+          <p:nvPr>
+            <p:ph type="sldNum" sz="quarter" idx="12"/>
+          </p:nvPr>
+        </p:nvSpPr>
+        <p:spPr>
+          <a:xfrm>
+            <a:off x="8913440" y="6485534"/>
+            <a:ext cx="557267" cy="365125"/>
+          </a:xfrm>
+        </p:spPr>
+        <p:txBody>
+          <a:bodyPr/>
+          <a:lstStyle/>
+          <a:p>
+            <a:fld id="{1BDE3FE7-3AEA-4B05-AC5A-802D1816ACF0}" type="slidenum">
+              <a:rPr lang="ko-KR" altLang="en-US" smtClean="0"/>
+              <a:t>32</a:t>
             </a:fld>
             <a:endParaRPr lang="ko-KR" altLang="en-US"/>
           </a:p>
@@ -14780,8 +15153,20 @@
                 <a:tableStyleId>{5940675A-B579-460E-94D1-54222C63F5DA}</a:tableStyleId>
               </a:tblPr>
               <a:tblGrid>
-                <a:gridCol w="1493371"/>
-                <a:gridCol w="6132681"/>
+                <a:gridCol w="1493371">
+                  <a:extLst>
+                    <a:ext uri="{9D8B030D-6E8A-4147-A177-3AD203B41FA5}">
+                      <a16:colId xmlns:a16="http://schemas.microsoft.com/office/drawing/2014/main" val="20000"/>
+                    </a:ext>
+                  </a:extLst>
+                </a:gridCol>
+                <a:gridCol w="6132681">
+                  <a:extLst>
+                    <a:ext uri="{9D8B030D-6E8A-4147-A177-3AD203B41FA5}">
+                      <a16:colId xmlns:a16="http://schemas.microsoft.com/office/drawing/2014/main" val="20001"/>
+                    </a:ext>
+                  </a:extLst>
+                </a:gridCol>
               </a:tblGrid>
               <a:tr h="475253">
                 <a:tc>
@@ -14832,6 +15217,11 @@
                     </a:solidFill>
                   </a:tcPr>
                 </a:tc>
+                <a:extLst>
+                  <a:ext uri="{0D108BD9-81ED-4DB2-BD59-A6C34878D82A}">
+                    <a16:rowId xmlns:a16="http://schemas.microsoft.com/office/drawing/2014/main" val="10000"/>
+                  </a:ext>
+                </a:extLst>
               </a:tr>
               <a:tr h="475253">
                 <a:tc>
@@ -14895,6 +15285,11 @@
                     </a:lnR>
                   </a:tcPr>
                 </a:tc>
+                <a:extLst>
+                  <a:ext uri="{0D108BD9-81ED-4DB2-BD59-A6C34878D82A}">
+                    <a16:rowId xmlns:a16="http://schemas.microsoft.com/office/drawing/2014/main" val="10001"/>
+                  </a:ext>
+                </a:extLst>
               </a:tr>
               <a:tr h="475253">
                 <a:tc>
@@ -14962,6 +15357,11 @@
                     </a:lnR>
                   </a:tcPr>
                 </a:tc>
+                <a:extLst>
+                  <a:ext uri="{0D108BD9-81ED-4DB2-BD59-A6C34878D82A}">
+                    <a16:rowId xmlns:a16="http://schemas.microsoft.com/office/drawing/2014/main" val="10002"/>
+                  </a:ext>
+                </a:extLst>
               </a:tr>
               <a:tr h="475253">
                 <a:tc>
@@ -15001,6 +15401,11 @@
                     </a:lnR>
                   </a:tcPr>
                 </a:tc>
+                <a:extLst>
+                  <a:ext uri="{0D108BD9-81ED-4DB2-BD59-A6C34878D82A}">
+                    <a16:rowId xmlns:a16="http://schemas.microsoft.com/office/drawing/2014/main" val="10003"/>
+                  </a:ext>
+                </a:extLst>
               </a:tr>
               <a:tr h="475253">
                 <a:tc>
@@ -15052,6 +15457,11 @@
                     </a:lnR>
                   </a:tcPr>
                 </a:tc>
+                <a:extLst>
+                  <a:ext uri="{0D108BD9-81ED-4DB2-BD59-A6C34878D82A}">
+                    <a16:rowId xmlns:a16="http://schemas.microsoft.com/office/drawing/2014/main" val="10004"/>
+                  </a:ext>
+                </a:extLst>
               </a:tr>
             </a:tbl>
           </a:graphicData>
